--- a/포트폴리오/Java/Java 전자 제품 판매 - 양화영.pptx
+++ b/포트폴리오/Java/Java 전자 제품 판매 - 양화영.pptx
@@ -276,7 +276,7 @@
                 </a:solidFill>
               </a:rPr>
               <a:pPr/>
-              <a:t>2021-05-07</a:t>
+              <a:t>2021-05-11</a:t>
             </a:fld>
             <a:endParaRPr lang="ko-KR" altLang="en-US">
               <a:solidFill>
@@ -506,7 +506,7 @@
                 </a:solidFill>
               </a:rPr>
               <a:pPr/>
-              <a:t>2021-05-07</a:t>
+              <a:t>2021-05-11</a:t>
             </a:fld>
             <a:endParaRPr lang="ko-KR" altLang="en-US">
               <a:solidFill>
@@ -746,7 +746,7 @@
                 </a:solidFill>
               </a:rPr>
               <a:pPr/>
-              <a:t>2021-05-07</a:t>
+              <a:t>2021-05-11</a:t>
             </a:fld>
             <a:endParaRPr lang="ko-KR" altLang="en-US">
               <a:solidFill>
@@ -976,7 +976,7 @@
                 </a:solidFill>
               </a:rPr>
               <a:pPr/>
-              <a:t>2021-05-07</a:t>
+              <a:t>2021-05-11</a:t>
             </a:fld>
             <a:endParaRPr lang="ko-KR" altLang="en-US">
               <a:solidFill>
@@ -1283,7 +1283,7 @@
                 </a:solidFill>
               </a:rPr>
               <a:pPr/>
-              <a:t>2021-05-07</a:t>
+              <a:t>2021-05-11</a:t>
             </a:fld>
             <a:endParaRPr lang="ko-KR" altLang="en-US">
               <a:solidFill>
@@ -1580,7 +1580,7 @@
                 </a:solidFill>
               </a:rPr>
               <a:pPr/>
-              <a:t>2021-05-07</a:t>
+              <a:t>2021-05-11</a:t>
             </a:fld>
             <a:endParaRPr lang="ko-KR" altLang="en-US">
               <a:solidFill>
@@ -2024,7 +2024,7 @@
                 </a:solidFill>
               </a:rPr>
               <a:pPr/>
-              <a:t>2021-05-07</a:t>
+              <a:t>2021-05-11</a:t>
             </a:fld>
             <a:endParaRPr lang="ko-KR" altLang="en-US">
               <a:solidFill>
@@ -2197,7 +2197,7 @@
                 </a:solidFill>
               </a:rPr>
               <a:pPr/>
-              <a:t>2021-05-07</a:t>
+              <a:t>2021-05-11</a:t>
             </a:fld>
             <a:endParaRPr lang="ko-KR" altLang="en-US">
               <a:solidFill>
@@ -2342,7 +2342,7 @@
                 </a:solidFill>
               </a:rPr>
               <a:pPr/>
-              <a:t>2021-05-07</a:t>
+              <a:t>2021-05-11</a:t>
             </a:fld>
             <a:endParaRPr lang="ko-KR" altLang="en-US">
               <a:solidFill>
@@ -2685,7 +2685,7 @@
                 </a:solidFill>
               </a:rPr>
               <a:pPr/>
-              <a:t>2021-05-07</a:t>
+              <a:t>2021-05-11</a:t>
             </a:fld>
             <a:endParaRPr lang="ko-KR" altLang="en-US">
               <a:solidFill>
@@ -3005,7 +3005,7 @@
                 </a:solidFill>
               </a:rPr>
               <a:pPr/>
-              <a:t>2021-05-07</a:t>
+              <a:t>2021-05-11</a:t>
             </a:fld>
             <a:endParaRPr lang="ko-KR" altLang="en-US">
               <a:solidFill>
@@ -3278,7 +3278,7 @@
                 </a:solidFill>
               </a:rPr>
               <a:pPr/>
-              <a:t>2021-05-07</a:t>
+              <a:t>2021-05-11</a:t>
             </a:fld>
             <a:endParaRPr lang="ko-KR" altLang="en-US">
               <a:solidFill>
@@ -6879,7 +6879,7 @@
       </p:sp>
       <p:pic>
         <p:nvPicPr>
-          <p:cNvPr id="2" name="그림 1"/>
+          <p:cNvPr id="3" name="그림 2"/>
           <p:cNvPicPr>
             <a:picLocks noChangeAspect="1"/>
           </p:cNvPicPr>
@@ -6893,8 +6893,8 @@
         </p:blipFill>
         <p:spPr>
           <a:xfrm>
-            <a:off x="1717387" y="1298516"/>
-            <a:ext cx="9698786" cy="4366788"/>
+            <a:off x="1375200" y="1112400"/>
+            <a:ext cx="10383522" cy="4825605"/>
           </a:xfrm>
           <a:prstGeom prst="rect">
             <a:avLst/>
@@ -15983,36 +15983,6 @@
           </a:p>
         </p:txBody>
       </p:sp>
-      <p:pic>
-        <p:nvPicPr>
-          <p:cNvPr id="2" name="그림 1"/>
-          <p:cNvPicPr>
-            <a:picLocks noChangeAspect="1"/>
-          </p:cNvPicPr>
-          <p:nvPr/>
-        </p:nvPicPr>
-        <p:blipFill>
-          <a:blip r:embed="rId2">
-            <a:extLst>
-              <a:ext uri="{28A0092B-C50C-407E-A947-70E740481C1C}">
-                <a14:useLocalDpi xmlns:a14="http://schemas.microsoft.com/office/drawing/2010/main" val="0"/>
-              </a:ext>
-            </a:extLst>
-          </a:blip>
-          <a:stretch>
-            <a:fillRect/>
-          </a:stretch>
-        </p:blipFill>
-        <p:spPr>
-          <a:xfrm>
-            <a:off x="2224260" y="1333979"/>
-            <a:ext cx="8685040" cy="2452682"/>
-          </a:xfrm>
-          <a:prstGeom prst="rect">
-            <a:avLst/>
-          </a:prstGeom>
-        </p:spPr>
-      </p:pic>
       <p:sp>
         <p:nvSpPr>
           <p:cNvPr id="26" name="직사각형 25">
@@ -16027,7 +15997,7 @@
         </p:nvSpPr>
         <p:spPr>
           <a:xfrm>
-            <a:off x="5089712" y="5029234"/>
+            <a:off x="6164979" y="4995367"/>
             <a:ext cx="2932070" cy="1020216"/>
           </a:xfrm>
           <a:prstGeom prst="rect">
@@ -16133,7 +16103,7 @@
         </p:nvSpPr>
         <p:spPr>
           <a:xfrm>
-            <a:off x="5769674" y="4578051"/>
+            <a:off x="4550475" y="5416251"/>
             <a:ext cx="1553840" cy="306580"/>
           </a:xfrm>
           <a:prstGeom prst="roundRect">
@@ -16185,6 +16155,30 @@
           </a:p>
         </p:txBody>
       </p:sp>
+      <p:pic>
+        <p:nvPicPr>
+          <p:cNvPr id="3" name="그림 2"/>
+          <p:cNvPicPr>
+            <a:picLocks noChangeAspect="1"/>
+          </p:cNvPicPr>
+          <p:nvPr/>
+        </p:nvPicPr>
+        <p:blipFill>
+          <a:blip r:embed="rId2"/>
+          <a:stretch>
+            <a:fillRect/>
+          </a:stretch>
+        </p:blipFill>
+        <p:spPr>
+          <a:xfrm>
+            <a:off x="1593493" y="1207163"/>
+            <a:ext cx="9946574" cy="3199674"/>
+          </a:xfrm>
+          <a:prstGeom prst="rect">
+            <a:avLst/>
+          </a:prstGeom>
+        </p:spPr>
+      </p:pic>
     </p:spTree>
     <p:extLst>
       <p:ext uri="{BB962C8B-B14F-4D97-AF65-F5344CB8AC3E}">
@@ -18162,30 +18156,6 @@
           </a:p>
         </p:txBody>
       </p:sp>
-      <p:pic>
-        <p:nvPicPr>
-          <p:cNvPr id="2" name="그림 1"/>
-          <p:cNvPicPr>
-            <a:picLocks noChangeAspect="1"/>
-          </p:cNvPicPr>
-          <p:nvPr/>
-        </p:nvPicPr>
-        <p:blipFill>
-          <a:blip r:embed="rId2"/>
-          <a:stretch>
-            <a:fillRect/>
-          </a:stretch>
-        </p:blipFill>
-        <p:spPr>
-          <a:xfrm>
-            <a:off x="1367488" y="1318599"/>
-            <a:ext cx="10744200" cy="4610100"/>
-          </a:xfrm>
-          <a:prstGeom prst="rect">
-            <a:avLst/>
-          </a:prstGeom>
-        </p:spPr>
-      </p:pic>
       <p:sp>
         <p:nvSpPr>
           <p:cNvPr id="25" name="직사각형 24">
@@ -18260,6 +18230,54 @@
           </a:p>
         </p:txBody>
       </p:sp>
+      <p:pic>
+        <p:nvPicPr>
+          <p:cNvPr id="4" name="그림 3"/>
+          <p:cNvPicPr>
+            <a:picLocks noChangeAspect="1"/>
+          </p:cNvPicPr>
+          <p:nvPr/>
+        </p:nvPicPr>
+        <p:blipFill>
+          <a:blip r:embed="rId2"/>
+          <a:stretch>
+            <a:fillRect/>
+          </a:stretch>
+        </p:blipFill>
+        <p:spPr>
+          <a:xfrm>
+            <a:off x="6722534" y="945451"/>
+            <a:ext cx="4233334" cy="5029200"/>
+          </a:xfrm>
+          <a:prstGeom prst="rect">
+            <a:avLst/>
+          </a:prstGeom>
+        </p:spPr>
+      </p:pic>
+      <p:pic>
+        <p:nvPicPr>
+          <p:cNvPr id="7" name="그림 6"/>
+          <p:cNvPicPr>
+            <a:picLocks noChangeAspect="1"/>
+          </p:cNvPicPr>
+          <p:nvPr/>
+        </p:nvPicPr>
+        <p:blipFill>
+          <a:blip r:embed="rId3"/>
+          <a:stretch>
+            <a:fillRect/>
+          </a:stretch>
+        </p:blipFill>
+        <p:spPr>
+          <a:xfrm>
+            <a:off x="1522234" y="956699"/>
+            <a:ext cx="4619625" cy="5017951"/>
+          </a:xfrm>
+          <a:prstGeom prst="rect">
+            <a:avLst/>
+          </a:prstGeom>
+        </p:spPr>
+      </p:pic>
     </p:spTree>
     <p:extLst>
       <p:ext uri="{BB962C8B-B14F-4D97-AF65-F5344CB8AC3E}">
@@ -20313,7 +20331,7 @@
       </p:sp>
       <p:pic>
         <p:nvPicPr>
-          <p:cNvPr id="4" name="그림 3"/>
+          <p:cNvPr id="2" name="그림 1"/>
           <p:cNvPicPr>
             <a:picLocks noChangeAspect="1"/>
           </p:cNvPicPr>
@@ -20327,8 +20345,8 @@
         </p:blipFill>
         <p:spPr>
           <a:xfrm>
-            <a:off x="2039995" y="956700"/>
-            <a:ext cx="8677275" cy="5410546"/>
+            <a:off x="1986312" y="1207163"/>
+            <a:ext cx="9160936" cy="4676775"/>
           </a:xfrm>
           <a:prstGeom prst="rect">
             <a:avLst/>
@@ -22388,7 +22406,7 @@
       </p:sp>
       <p:pic>
         <p:nvPicPr>
-          <p:cNvPr id="3" name="그림 2"/>
+          <p:cNvPr id="2" name="그림 1"/>
           <p:cNvPicPr>
             <a:picLocks noChangeAspect="1"/>
           </p:cNvPicPr>
@@ -22402,8 +22420,8 @@
         </p:blipFill>
         <p:spPr>
           <a:xfrm>
-            <a:off x="1509871" y="1207163"/>
-            <a:ext cx="9839325" cy="5030845"/>
+            <a:off x="2151942" y="956700"/>
+            <a:ext cx="8829675" cy="5344347"/>
           </a:xfrm>
           <a:prstGeom prst="rect">
             <a:avLst/>
@@ -24463,7 +24481,7 @@
       </p:sp>
       <p:pic>
         <p:nvPicPr>
-          <p:cNvPr id="2" name="그림 1"/>
+          <p:cNvPr id="3" name="그림 2"/>
           <p:cNvPicPr>
             <a:picLocks noChangeAspect="1"/>
           </p:cNvPicPr>
@@ -24477,8 +24495,8 @@
         </p:blipFill>
         <p:spPr>
           <a:xfrm>
-            <a:off x="2288337" y="908560"/>
-            <a:ext cx="7648575" cy="5229225"/>
+            <a:off x="2133352" y="1207163"/>
+            <a:ext cx="8672946" cy="5076825"/>
           </a:xfrm>
           <a:prstGeom prst="rect">
             <a:avLst/>
@@ -26464,7 +26482,7 @@
       </p:sp>
       <p:pic>
         <p:nvPicPr>
-          <p:cNvPr id="2" name="그림 1"/>
+          <p:cNvPr id="20" name="그림 19"/>
           <p:cNvPicPr>
             <a:picLocks noChangeAspect="1"/>
           </p:cNvPicPr>
@@ -26478,8 +26496,8 @@
         </p:blipFill>
         <p:spPr>
           <a:xfrm>
-            <a:off x="1942098" y="1277491"/>
-            <a:ext cx="9249364" cy="4225567"/>
+            <a:off x="1375580" y="1113186"/>
+            <a:ext cx="10382400" cy="5020925"/>
           </a:xfrm>
           <a:prstGeom prst="rect">
             <a:avLst/>
@@ -28465,7 +28483,7 @@
       </p:sp>
       <p:pic>
         <p:nvPicPr>
-          <p:cNvPr id="3" name="그림 2"/>
+          <p:cNvPr id="2" name="그림 1"/>
           <p:cNvPicPr>
             <a:picLocks noChangeAspect="1"/>
           </p:cNvPicPr>
@@ -28479,8 +28497,8 @@
         </p:blipFill>
         <p:spPr>
           <a:xfrm>
-            <a:off x="1689660" y="1553411"/>
-            <a:ext cx="9754239" cy="3468307"/>
+            <a:off x="1375200" y="1112400"/>
+            <a:ext cx="10382400" cy="4863679"/>
           </a:xfrm>
           <a:prstGeom prst="rect">
             <a:avLst/>
